--- a/Presentations/Fiddler Endpoint Debugging -Tulsa TechFest 2014.pptx
+++ b/Presentations/Fiddler Endpoint Debugging -Tulsa TechFest 2014.pptx
@@ -122,7 +122,7 @@
   </p:defaultTextStyle>
   <p:extLst>
     <p:ext uri="{EFAFB233-063F-42B5-8137-9DF3F51BA10A}">
-      <p15:sldGuideLst xmlns="" xmlns:p15="http://schemas.microsoft.com/office/powerpoint/2012/main">
+      <p15:sldGuideLst xmlns:p15="http://schemas.microsoft.com/office/powerpoint/2012/main" xmlns="">
         <p15:guide id="1" orient="horz" pos="144">
           <p15:clr>
             <a:srgbClr val="A4A3A4"/>
@@ -186,7 +186,7 @@
       </p15:sldGuideLst>
     </p:ext>
     <p:ext uri="{2D200454-40CA-4A62-9FC3-DE9A4176ACB9}">
-      <p15:notesGuideLst xmlns="" xmlns:p15="http://schemas.microsoft.com/office/powerpoint/2012/main">
+      <p15:notesGuideLst xmlns:p15="http://schemas.microsoft.com/office/powerpoint/2012/main" xmlns="">
         <p15:guide id="1" orient="horz" pos="2880">
           <p15:clr>
             <a:srgbClr val="A4A3A4"/>
@@ -892,7 +892,7 @@
             <a:fld id="{81331B57-0BE5-4F82-AA58-76F53EFF3ADA}" type="datetime8">
               <a:rPr lang="en-US" smtClean="0"/>
               <a:pPr/>
-              <a:t>8/14/2014 11:02 PM</a:t>
+              <a:t>8/14/2014 11:14 PM</a:t>
             </a:fld>
             <a:endParaRPr lang="en-US" dirty="0"/>
           </a:p>
@@ -1321,7 +1321,7 @@
             <a:fld id="{81331B57-0BE5-4F82-AA58-76F53EFF3ADA}" type="datetime8">
               <a:rPr lang="en-US" smtClean="0"/>
               <a:pPr/>
-              <a:t>8/14/2014 11:02 PM</a:t>
+              <a:t>8/14/2014 11:14 PM</a:t>
             </a:fld>
             <a:endParaRPr lang="en-US" dirty="0"/>
           </a:p>
@@ -7861,11 +7861,7 @@
             </a:r>
             <a:r>
               <a:rPr lang="en-US" smtClean="0"/>
-              <a:t>web </a:t>
-            </a:r>
-            <a:r>
-              <a:rPr lang="en-US" smtClean="0"/>
-              <a:t>development</a:t>
+              <a:t>web development</a:t>
             </a:r>
             <a:endParaRPr lang="en-US" dirty="0" smtClean="0"/>
           </a:p>
@@ -8261,7 +8257,7 @@
         <p:spPr>
           <a:xfrm>
             <a:off x="381000" y="1447799"/>
-            <a:ext cx="8382000" cy="5084469"/>
+            <a:ext cx="8382000" cy="3791807"/>
           </a:xfrm>
         </p:spPr>
         <p:txBody>
@@ -8277,16 +8273,22 @@
           <a:p>
             <a:pPr marL="633413" lvl="1" indent="-292100"/>
             <a:r>
+              <a:rPr lang="en-US" sz="2000" dirty="0" smtClean="0">
+                <a:hlinkClick r:id="rId3"/>
+              </a:rPr>
+              <a:t>http</a:t>
+            </a:r>
+            <a:r>
               <a:rPr lang="en-US" sz="2000" dirty="0">
                 <a:hlinkClick r:id="rId3"/>
               </a:rPr>
-              <a:t>https://angularjs.org</a:t>
+              <a:t>://</a:t>
             </a:r>
             <a:r>
               <a:rPr lang="en-US" sz="2000" dirty="0" smtClean="0">
                 <a:hlinkClick r:id="rId3"/>
               </a:rPr>
-              <a:t>/</a:t>
+              <a:t>www.asp.net/web-api</a:t>
             </a:r>
             <a:endParaRPr lang="en-US" sz="2000" dirty="0" smtClean="0"/>
           </a:p>
@@ -8296,38 +8298,32 @@
               <a:rPr lang="en-US" sz="2000" dirty="0">
                 <a:hlinkClick r:id="rId4"/>
               </a:rPr>
-              <a:t>http://</a:t>
-            </a:r>
-            <a:r>
-              <a:rPr lang="en-US" sz="2000" dirty="0" smtClean="0">
-                <a:hlinkClick r:id="rId4"/>
-              </a:rPr>
-              <a:t>www.asp.net/web-api</a:t>
+              <a:t>http://www.telerik.com/fiddler</a:t>
             </a:r>
             <a:endParaRPr lang="en-US" sz="2000" dirty="0" smtClean="0"/>
           </a:p>
           <a:p>
+            <a:pPr marL="341313" indent="-341313"/>
+            <a:r>
+              <a:rPr lang="en-US" sz="2400" dirty="0" smtClean="0"/>
+              <a:t>Demo resources</a:t>
+            </a:r>
+          </a:p>
+          <a:p>
             <a:pPr marL="633413" lvl="1" indent="-292100"/>
-            <a:r>
-              <a:rPr lang="en-US" sz="2000" dirty="0">
-                <a:hlinkClick r:id="rId5"/>
-              </a:rPr>
-              <a:t>http://</a:t>
-            </a:r>
             <a:r>
               <a:rPr lang="en-US" sz="2000" dirty="0" smtClean="0">
                 <a:hlinkClick r:id="rId5"/>
               </a:rPr>
-              <a:t>en.wikipedia.org/wiki/Cross-origin_resource_sharing</a:t>
+              <a:t>http</a:t>
+            </a:r>
+            <a:r>
+              <a:rPr lang="en-US" sz="2000" dirty="0" smtClean="0">
+                <a:hlinkClick r:id="rId5"/>
+              </a:rPr>
+              <a:t>://huck001.azurewebsites.net</a:t>
             </a:r>
             <a:endParaRPr lang="en-US" sz="2000" dirty="0" smtClean="0"/>
-          </a:p>
-          <a:p>
-            <a:pPr marL="341313" indent="-341313"/>
-            <a:r>
-              <a:rPr lang="en-US" sz="2400" dirty="0" smtClean="0"/>
-              <a:t>Demo resources</a:t>
-            </a:r>
           </a:p>
           <a:p>
             <a:pPr marL="633413" lvl="1" indent="-292100"/>
@@ -8335,19 +8331,36 @@
               <a:rPr lang="en-US" sz="2000" dirty="0" smtClean="0">
                 <a:hlinkClick r:id="rId6"/>
               </a:rPr>
-              <a:t>http://huck001.azurewebsites.net</a:t>
+              <a:t>http://demo.huck13.com</a:t>
             </a:r>
             <a:endParaRPr lang="en-US" sz="2000" dirty="0" smtClean="0"/>
           </a:p>
           <a:p>
             <a:pPr marL="633413" lvl="1" indent="-292100"/>
+            <a:r>
+              <a:rPr lang="en-US" sz="2000" dirty="0">
+                <a:hlinkClick r:id="rId7"/>
+              </a:rPr>
+              <a:t>https://</a:t>
+            </a:r>
             <a:r>
               <a:rPr lang="en-US" sz="2000" dirty="0" smtClean="0">
                 <a:hlinkClick r:id="rId7"/>
               </a:rPr>
-              <a:t>http://demo.huck13.com</a:t>
+              <a:t>github.com/raveller/raveller/tree/master/WebAPIDemo</a:t>
             </a:r>
             <a:endParaRPr lang="en-US" sz="2000" dirty="0" smtClean="0"/>
+          </a:p>
+          <a:p>
+            <a:pPr marL="341313" indent="-341313"/>
+            <a:r>
+              <a:rPr lang="en-US" sz="2400" dirty="0" err="1" smtClean="0"/>
+              <a:t>NuGet</a:t>
+            </a:r>
+            <a:r>
+              <a:rPr lang="en-US" sz="2400" dirty="0" smtClean="0"/>
+              <a:t> packages</a:t>
+            </a:r>
           </a:p>
           <a:p>
             <a:pPr marL="633413" lvl="1" indent="-292100"/>
@@ -8355,33 +8368,6 @@
               <a:rPr lang="en-US" sz="2000" dirty="0">
                 <a:hlinkClick r:id="rId8"/>
               </a:rPr>
-              <a:t>https://</a:t>
-            </a:r>
-            <a:r>
-              <a:rPr lang="en-US" sz="2000" dirty="0" smtClean="0">
-                <a:hlinkClick r:id="rId8"/>
-              </a:rPr>
-              <a:t>github.com/raveller/raveller/tree/master/WebAPIDemo</a:t>
-            </a:r>
-            <a:endParaRPr lang="en-US" sz="2000" dirty="0" smtClean="0"/>
-          </a:p>
-          <a:p>
-            <a:pPr marL="341313" indent="-341313"/>
-            <a:r>
-              <a:rPr lang="en-US" sz="2400" dirty="0" err="1" smtClean="0"/>
-              <a:t>NuGet</a:t>
-            </a:r>
-            <a:r>
-              <a:rPr lang="en-US" sz="2400" dirty="0" smtClean="0"/>
-              <a:t> packages</a:t>
-            </a:r>
-          </a:p>
-          <a:p>
-            <a:pPr marL="633413" lvl="1" indent="-292100"/>
-            <a:r>
-              <a:rPr lang="en-US" sz="2000" dirty="0">
-                <a:hlinkClick r:id="rId9"/>
-              </a:rPr>
               <a:t>http://www.asp.net/web-api/overview/web-api-routing-and-actions/attribute-routing-in-web-api-2</a:t>
             </a:r>
             <a:endParaRPr lang="en-US" sz="2000" dirty="0" smtClean="0"/>
@@ -8395,28 +8381,6 @@
             <a:r>
               <a:rPr lang="en-US" sz="2000" dirty="0" err="1" smtClean="0"/>
               <a:t>Microsoft.AspNet.WebApi.WebHost</a:t>
-            </a:r>
-            <a:endParaRPr lang="en-US" sz="2000" dirty="0" smtClean="0"/>
-          </a:p>
-          <a:p>
-            <a:pPr marL="633413" lvl="1" indent="-292100"/>
-            <a:r>
-              <a:rPr lang="en-US" sz="2000" dirty="0">
-                <a:hlinkClick r:id="rId10"/>
-              </a:rPr>
-              <a:t>http://www.asp.net/web-api/overview/security/enabling-cross-origin-requests-in-web-api</a:t>
-            </a:r>
-            <a:endParaRPr lang="en-US" sz="2000" dirty="0" smtClean="0"/>
-          </a:p>
-          <a:p>
-            <a:pPr marL="633413" lvl="1" indent="-292100"/>
-            <a:r>
-              <a:rPr lang="en-US" sz="2000" dirty="0"/>
-              <a:t>Install-Package </a:t>
-            </a:r>
-            <a:r>
-              <a:rPr lang="en-US" sz="2000" dirty="0" err="1" smtClean="0"/>
-              <a:t>Microsoft.AspNet.WebApi.Cors</a:t>
             </a:r>
             <a:endParaRPr lang="en-US" sz="2000" dirty="0" smtClean="0"/>
           </a:p>
